--- a/Regresion Lineal .pptx
+++ b/Regresion Lineal .pptx
@@ -8,6 +8,13 @@
     <p:sldId id="256" r:id="rId2"/>
     <p:sldId id="257" r:id="rId3"/>
     <p:sldId id="258" r:id="rId4"/>
+    <p:sldId id="260" r:id="rId5"/>
+    <p:sldId id="261" r:id="rId6"/>
+    <p:sldId id="262" r:id="rId7"/>
+    <p:sldId id="263" r:id="rId8"/>
+    <p:sldId id="264" r:id="rId9"/>
+    <p:sldId id="265" r:id="rId10"/>
+    <p:sldId id="266" r:id="rId11"/>
   </p:sldIdLst>
   <p:sldSz cx="12192000" cy="6858000"/>
   <p:notesSz cx="6858000" cy="9144000"/>
@@ -106,7 +113,480 @@
       </a:defRPr>
     </a:lvl9pPr>
   </p:defaultTextStyle>
+  <p:extLst>
+    <p:ext uri="{EFAFB233-063F-42B5-8137-9DF3F51BA10A}">
+      <p15:sldGuideLst xmlns:p15="http://schemas.microsoft.com/office/powerpoint/2012/main"/>
+    </p:ext>
+  </p:extLst>
 </p:presentation>
+</file>
+
+<file path=ppt/revisionInfo.xml><?xml version="1.0" encoding="utf-8"?>
+<p1510:revInfo xmlns:a="http://schemas.openxmlformats.org/drawingml/2006/main" xmlns:r="http://schemas.openxmlformats.org/officeDocument/2006/relationships" xmlns:p1510="http://schemas.microsoft.com/office/powerpoint/2015/10/main">
+  <p1510:revLst>
+    <p1510:client id="{CDAE7E85-DC34-4298-940E-F2F5DB360105}" v="3" dt="2023-10-25T17:32:47.637"/>
+  </p1510:revLst>
+</p1510:revInfo>
+</file>
+
+<file path=ppt/changesInfos/changesInfo1.xml><?xml version="1.0" encoding="utf-8"?>
+<pc:chgInfo xmlns:a="http://schemas.openxmlformats.org/drawingml/2006/main" xmlns:r="http://schemas.openxmlformats.org/officeDocument/2006/relationships" xmlns:ac="http://schemas.microsoft.com/office/drawing/2013/main/command" xmlns:pc="http://schemas.microsoft.com/office/powerpoint/2013/main/command">
+  <pc:docChgLst>
+    <pc:chgData name="Sarela Palacios Mosquera" userId="fe2c0137ca7187e7" providerId="LiveId" clId="{CDAE7E85-DC34-4298-940E-F2F5DB360105}"/>
+    <pc:docChg chg="undo custSel addSld delSld modSld">
+      <pc:chgData name="Sarela Palacios Mosquera" userId="fe2c0137ca7187e7" providerId="LiveId" clId="{CDAE7E85-DC34-4298-940E-F2F5DB360105}" dt="2023-10-25T17:50:33.100" v="835" actId="47"/>
+      <pc:docMkLst>
+        <pc:docMk/>
+      </pc:docMkLst>
+      <pc:sldChg chg="new del">
+        <pc:chgData name="Sarela Palacios Mosquera" userId="fe2c0137ca7187e7" providerId="LiveId" clId="{CDAE7E85-DC34-4298-940E-F2F5DB360105}" dt="2023-10-25T16:01:30.577" v="38" actId="47"/>
+        <pc:sldMkLst>
+          <pc:docMk/>
+          <pc:sldMk cId="3221751400" sldId="259"/>
+        </pc:sldMkLst>
+      </pc:sldChg>
+      <pc:sldChg chg="addSp delSp modSp new mod">
+        <pc:chgData name="Sarela Palacios Mosquera" userId="fe2c0137ca7187e7" providerId="LiveId" clId="{CDAE7E85-DC34-4298-940E-F2F5DB360105}" dt="2023-10-25T17:03:24.636" v="411" actId="1076"/>
+        <pc:sldMkLst>
+          <pc:docMk/>
+          <pc:sldMk cId="1424879473" sldId="260"/>
+        </pc:sldMkLst>
+        <pc:spChg chg="mod">
+          <ac:chgData name="Sarela Palacios Mosquera" userId="fe2c0137ca7187e7" providerId="LiveId" clId="{CDAE7E85-DC34-4298-940E-F2F5DB360105}" dt="2023-10-25T16:04:19.044" v="53" actId="20577"/>
+          <ac:spMkLst>
+            <pc:docMk/>
+            <pc:sldMk cId="1424879473" sldId="260"/>
+            <ac:spMk id="2" creationId="{FA917AE8-EC00-597E-39D1-8EA0187A35F8}"/>
+          </ac:spMkLst>
+        </pc:spChg>
+        <pc:spChg chg="del">
+          <ac:chgData name="Sarela Palacios Mosquera" userId="fe2c0137ca7187e7" providerId="LiveId" clId="{CDAE7E85-DC34-4298-940E-F2F5DB360105}" dt="2023-10-25T16:04:06.304" v="40" actId="478"/>
+          <ac:spMkLst>
+            <pc:docMk/>
+            <pc:sldMk cId="1424879473" sldId="260"/>
+            <ac:spMk id="3" creationId="{A77A610D-F1AF-EEF9-E9BB-BADEDA1CBC7E}"/>
+          </ac:spMkLst>
+        </pc:spChg>
+        <pc:spChg chg="add mod">
+          <ac:chgData name="Sarela Palacios Mosquera" userId="fe2c0137ca7187e7" providerId="LiveId" clId="{CDAE7E85-DC34-4298-940E-F2F5DB360105}" dt="2023-10-25T16:04:10.218" v="41" actId="1076"/>
+          <ac:spMkLst>
+            <pc:docMk/>
+            <pc:sldMk cId="1424879473" sldId="260"/>
+            <ac:spMk id="5" creationId="{B9ACC560-B4DF-7364-4282-A61810A259FB}"/>
+          </ac:spMkLst>
+        </pc:spChg>
+        <pc:picChg chg="add del mod">
+          <ac:chgData name="Sarela Palacios Mosquera" userId="fe2c0137ca7187e7" providerId="LiveId" clId="{CDAE7E85-DC34-4298-940E-F2F5DB360105}" dt="2023-10-25T16:13:43.410" v="57" actId="478"/>
+          <ac:picMkLst>
+            <pc:docMk/>
+            <pc:sldMk cId="1424879473" sldId="260"/>
+            <ac:picMk id="7" creationId="{6FBBB6E0-3E12-C0AA-5669-8C6A13F60785}"/>
+          </ac:picMkLst>
+        </pc:picChg>
+        <pc:picChg chg="add del mod">
+          <ac:chgData name="Sarela Palacios Mosquera" userId="fe2c0137ca7187e7" providerId="LiveId" clId="{CDAE7E85-DC34-4298-940E-F2F5DB360105}" dt="2023-10-25T16:18:01.762" v="67" actId="478"/>
+          <ac:picMkLst>
+            <pc:docMk/>
+            <pc:sldMk cId="1424879473" sldId="260"/>
+            <ac:picMk id="9" creationId="{694EA6EE-2EA8-37BF-5DC6-0A501F6167C2}"/>
+          </ac:picMkLst>
+        </pc:picChg>
+        <pc:picChg chg="add del mod">
+          <ac:chgData name="Sarela Palacios Mosquera" userId="fe2c0137ca7187e7" providerId="LiveId" clId="{CDAE7E85-DC34-4298-940E-F2F5DB360105}" dt="2023-10-25T17:03:24.636" v="411" actId="1076"/>
+          <ac:picMkLst>
+            <pc:docMk/>
+            <pc:sldMk cId="1424879473" sldId="260"/>
+            <ac:picMk id="11" creationId="{848772D0-4558-066C-3578-CBE8E0B66F46}"/>
+          </ac:picMkLst>
+        </pc:picChg>
+        <pc:picChg chg="add del mod">
+          <ac:chgData name="Sarela Palacios Mosquera" userId="fe2c0137ca7187e7" providerId="LiveId" clId="{CDAE7E85-DC34-4298-940E-F2F5DB360105}" dt="2023-10-25T16:33:16.529" v="105" actId="22"/>
+          <ac:picMkLst>
+            <pc:docMk/>
+            <pc:sldMk cId="1424879473" sldId="260"/>
+            <ac:picMk id="13" creationId="{68C9A7A8-F845-4EC4-D64F-EA31F5046D31}"/>
+          </ac:picMkLst>
+        </pc:picChg>
+        <pc:picChg chg="add del mod">
+          <ac:chgData name="Sarela Palacios Mosquera" userId="fe2c0137ca7187e7" providerId="LiveId" clId="{CDAE7E85-DC34-4298-940E-F2F5DB360105}" dt="2023-10-25T16:33:15.444" v="103" actId="22"/>
+          <ac:picMkLst>
+            <pc:docMk/>
+            <pc:sldMk cId="1424879473" sldId="260"/>
+            <ac:picMk id="15" creationId="{266B0E1E-9845-1061-EA74-8EDA0A33343A}"/>
+          </ac:picMkLst>
+        </pc:picChg>
+        <pc:picChg chg="add del mod">
+          <ac:chgData name="Sarela Palacios Mosquera" userId="fe2c0137ca7187e7" providerId="LiveId" clId="{CDAE7E85-DC34-4298-940E-F2F5DB360105}" dt="2023-10-25T16:33:13.573" v="99" actId="22"/>
+          <ac:picMkLst>
+            <pc:docMk/>
+            <pc:sldMk cId="1424879473" sldId="260"/>
+            <ac:picMk id="17" creationId="{3E7F9FF5-F55C-EDE3-610D-B87859EC7407}"/>
+          </ac:picMkLst>
+        </pc:picChg>
+        <pc:picChg chg="add del mod">
+          <ac:chgData name="Sarela Palacios Mosquera" userId="fe2c0137ca7187e7" providerId="LiveId" clId="{CDAE7E85-DC34-4298-940E-F2F5DB360105}" dt="2023-10-25T16:33:11.311" v="92" actId="22"/>
+          <ac:picMkLst>
+            <pc:docMk/>
+            <pc:sldMk cId="1424879473" sldId="260"/>
+            <ac:picMk id="19" creationId="{D1708FED-46A0-49C4-5AFA-5FE0A4452A68}"/>
+          </ac:picMkLst>
+        </pc:picChg>
+        <pc:picChg chg="add mod">
+          <ac:chgData name="Sarela Palacios Mosquera" userId="fe2c0137ca7187e7" providerId="LiveId" clId="{CDAE7E85-DC34-4298-940E-F2F5DB360105}" dt="2023-10-25T17:03:14.959" v="408" actId="1076"/>
+          <ac:picMkLst>
+            <pc:docMk/>
+            <pc:sldMk cId="1424879473" sldId="260"/>
+            <ac:picMk id="21" creationId="{0C444640-17FA-21B7-5EB1-2368B77EB3BA}"/>
+          </ac:picMkLst>
+        </pc:picChg>
+        <pc:picChg chg="add del mod">
+          <ac:chgData name="Sarela Palacios Mosquera" userId="fe2c0137ca7187e7" providerId="LiveId" clId="{CDAE7E85-DC34-4298-940E-F2F5DB360105}" dt="2023-10-25T17:03:22.625" v="410" actId="478"/>
+          <ac:picMkLst>
+            <pc:docMk/>
+            <pc:sldMk cId="1424879473" sldId="260"/>
+            <ac:picMk id="23" creationId="{D185E1DE-18EC-3D29-F792-437009B4DB3C}"/>
+          </ac:picMkLst>
+        </pc:picChg>
+      </pc:sldChg>
+      <pc:sldChg chg="addSp delSp modSp new mod">
+        <pc:chgData name="Sarela Palacios Mosquera" userId="fe2c0137ca7187e7" providerId="LiveId" clId="{CDAE7E85-DC34-4298-940E-F2F5DB360105}" dt="2023-10-25T16:58:51.109" v="402" actId="113"/>
+        <pc:sldMkLst>
+          <pc:docMk/>
+          <pc:sldMk cId="3694983359" sldId="261"/>
+        </pc:sldMkLst>
+        <pc:spChg chg="del">
+          <ac:chgData name="Sarela Palacios Mosquera" userId="fe2c0137ca7187e7" providerId="LiveId" clId="{CDAE7E85-DC34-4298-940E-F2F5DB360105}" dt="2023-10-25T16:16:30.492" v="65" actId="478"/>
+          <ac:spMkLst>
+            <pc:docMk/>
+            <pc:sldMk cId="3694983359" sldId="261"/>
+            <ac:spMk id="2" creationId="{15FE5750-8AC1-5752-6A41-19C9FF7B3CF0}"/>
+          </ac:spMkLst>
+        </pc:spChg>
+        <pc:spChg chg="del">
+          <ac:chgData name="Sarela Palacios Mosquera" userId="fe2c0137ca7187e7" providerId="LiveId" clId="{CDAE7E85-DC34-4298-940E-F2F5DB360105}" dt="2023-10-25T16:16:32.400" v="66" actId="478"/>
+          <ac:spMkLst>
+            <pc:docMk/>
+            <pc:sldMk cId="3694983359" sldId="261"/>
+            <ac:spMk id="3" creationId="{CA513DCD-CE38-CA50-1C2D-2EEC5AC98F4C}"/>
+          </ac:spMkLst>
+        </pc:spChg>
+        <pc:spChg chg="add mod">
+          <ac:chgData name="Sarela Palacios Mosquera" userId="fe2c0137ca7187e7" providerId="LiveId" clId="{CDAE7E85-DC34-4298-940E-F2F5DB360105}" dt="2023-10-25T16:58:51.109" v="402" actId="113"/>
+          <ac:spMkLst>
+            <pc:docMk/>
+            <pc:sldMk cId="3694983359" sldId="261"/>
+            <ac:spMk id="9" creationId="{6D128B52-638E-3507-D794-2EE2CC13AB69}"/>
+          </ac:spMkLst>
+        </pc:spChg>
+        <pc:spChg chg="add mod">
+          <ac:chgData name="Sarela Palacios Mosquera" userId="fe2c0137ca7187e7" providerId="LiveId" clId="{CDAE7E85-DC34-4298-940E-F2F5DB360105}" dt="2023-10-25T16:56:48.900" v="389" actId="113"/>
+          <ac:spMkLst>
+            <pc:docMk/>
+            <pc:sldMk cId="3694983359" sldId="261"/>
+            <ac:spMk id="21" creationId="{B2A69D9D-9FB7-B958-632B-22A96353CBF9}"/>
+          </ac:spMkLst>
+        </pc:spChg>
+        <pc:picChg chg="add del mod">
+          <ac:chgData name="Sarela Palacios Mosquera" userId="fe2c0137ca7187e7" providerId="LiveId" clId="{CDAE7E85-DC34-4298-940E-F2F5DB360105}" dt="2023-10-25T16:39:44.396" v="117" actId="478"/>
+          <ac:picMkLst>
+            <pc:docMk/>
+            <pc:sldMk cId="3694983359" sldId="261"/>
+            <ac:picMk id="5" creationId="{673491AB-E713-4EC8-D1B7-56FB045D7A22}"/>
+          </ac:picMkLst>
+        </pc:picChg>
+        <pc:picChg chg="add del mod">
+          <ac:chgData name="Sarela Palacios Mosquera" userId="fe2c0137ca7187e7" providerId="LiveId" clId="{CDAE7E85-DC34-4298-940E-F2F5DB360105}" dt="2023-10-25T16:43:13.616" v="145" actId="478"/>
+          <ac:picMkLst>
+            <pc:docMk/>
+            <pc:sldMk cId="3694983359" sldId="261"/>
+            <ac:picMk id="7" creationId="{61D335C4-2E49-CBA8-74A6-2C849120A9F4}"/>
+          </ac:picMkLst>
+        </pc:picChg>
+        <pc:picChg chg="add del">
+          <ac:chgData name="Sarela Palacios Mosquera" userId="fe2c0137ca7187e7" providerId="LiveId" clId="{CDAE7E85-DC34-4298-940E-F2F5DB360105}" dt="2023-10-25T16:49:40.077" v="359" actId="478"/>
+          <ac:picMkLst>
+            <pc:docMk/>
+            <pc:sldMk cId="3694983359" sldId="261"/>
+            <ac:picMk id="11" creationId="{5D5DB2AB-9700-97C5-6537-2B96AC90661E}"/>
+          </ac:picMkLst>
+        </pc:picChg>
+        <pc:picChg chg="add mod">
+          <ac:chgData name="Sarela Palacios Mosquera" userId="fe2c0137ca7187e7" providerId="LiveId" clId="{CDAE7E85-DC34-4298-940E-F2F5DB360105}" dt="2023-10-25T16:49:42.372" v="360" actId="1076"/>
+          <ac:picMkLst>
+            <pc:docMk/>
+            <pc:sldMk cId="3694983359" sldId="261"/>
+            <ac:picMk id="13" creationId="{9562D8B7-6177-F138-970F-7C2284600B61}"/>
+          </ac:picMkLst>
+        </pc:picChg>
+        <pc:picChg chg="add del mod">
+          <ac:chgData name="Sarela Palacios Mosquera" userId="fe2c0137ca7187e7" providerId="LiveId" clId="{CDAE7E85-DC34-4298-940E-F2F5DB360105}" dt="2023-10-25T16:44:22.928" v="151" actId="478"/>
+          <ac:picMkLst>
+            <pc:docMk/>
+            <pc:sldMk cId="3694983359" sldId="261"/>
+            <ac:picMk id="15" creationId="{CE700CE7-F66B-E3EB-B003-71D930785ED8}"/>
+          </ac:picMkLst>
+        </pc:picChg>
+        <pc:picChg chg="add mod">
+          <ac:chgData name="Sarela Palacios Mosquera" userId="fe2c0137ca7187e7" providerId="LiveId" clId="{CDAE7E85-DC34-4298-940E-F2F5DB360105}" dt="2023-10-25T16:49:32.121" v="353" actId="1076"/>
+          <ac:picMkLst>
+            <pc:docMk/>
+            <pc:sldMk cId="3694983359" sldId="261"/>
+            <ac:picMk id="17" creationId="{B991A1A9-DA2E-B2C9-85D2-90B376FE3BA4}"/>
+          </ac:picMkLst>
+        </pc:picChg>
+        <pc:picChg chg="add mod">
+          <ac:chgData name="Sarela Palacios Mosquera" userId="fe2c0137ca7187e7" providerId="LiveId" clId="{CDAE7E85-DC34-4298-940E-F2F5DB360105}" dt="2023-10-25T16:49:35.770" v="357" actId="1076"/>
+          <ac:picMkLst>
+            <pc:docMk/>
+            <pc:sldMk cId="3694983359" sldId="261"/>
+            <ac:picMk id="19" creationId="{0EA94C73-1D38-016D-BB0D-070D4C1BDD30}"/>
+          </ac:picMkLst>
+        </pc:picChg>
+      </pc:sldChg>
+      <pc:sldChg chg="addSp delSp modSp new mod">
+        <pc:chgData name="Sarela Palacios Mosquera" userId="fe2c0137ca7187e7" providerId="LiveId" clId="{CDAE7E85-DC34-4298-940E-F2F5DB360105}" dt="2023-10-25T16:55:00.770" v="377" actId="1076"/>
+        <pc:sldMkLst>
+          <pc:docMk/>
+          <pc:sldMk cId="1556691533" sldId="262"/>
+        </pc:sldMkLst>
+        <pc:spChg chg="del">
+          <ac:chgData name="Sarela Palacios Mosquera" userId="fe2c0137ca7187e7" providerId="LiveId" clId="{CDAE7E85-DC34-4298-940E-F2F5DB360105}" dt="2023-10-25T16:52:10.724" v="363" actId="478"/>
+          <ac:spMkLst>
+            <pc:docMk/>
+            <pc:sldMk cId="1556691533" sldId="262"/>
+            <ac:spMk id="2" creationId="{6468724B-F337-4A48-A52D-E360E35C2456}"/>
+          </ac:spMkLst>
+        </pc:spChg>
+        <pc:spChg chg="del">
+          <ac:chgData name="Sarela Palacios Mosquera" userId="fe2c0137ca7187e7" providerId="LiveId" clId="{CDAE7E85-DC34-4298-940E-F2F5DB360105}" dt="2023-10-25T16:52:12.768" v="364" actId="478"/>
+          <ac:spMkLst>
+            <pc:docMk/>
+            <pc:sldMk cId="1556691533" sldId="262"/>
+            <ac:spMk id="3" creationId="{2C123CDC-1DD4-6232-0189-982D217473D6}"/>
+          </ac:spMkLst>
+        </pc:spChg>
+        <pc:picChg chg="add mod">
+          <ac:chgData name="Sarela Palacios Mosquera" userId="fe2c0137ca7187e7" providerId="LiveId" clId="{CDAE7E85-DC34-4298-940E-F2F5DB360105}" dt="2023-10-25T16:52:17.151" v="367" actId="1076"/>
+          <ac:picMkLst>
+            <pc:docMk/>
+            <pc:sldMk cId="1556691533" sldId="262"/>
+            <ac:picMk id="5" creationId="{37AA44BC-0257-74F7-7E3E-8C2FF6B2B161}"/>
+          </ac:picMkLst>
+        </pc:picChg>
+        <pc:picChg chg="add mod">
+          <ac:chgData name="Sarela Palacios Mosquera" userId="fe2c0137ca7187e7" providerId="LiveId" clId="{CDAE7E85-DC34-4298-940E-F2F5DB360105}" dt="2023-10-25T16:55:00.770" v="377" actId="1076"/>
+          <ac:picMkLst>
+            <pc:docMk/>
+            <pc:sldMk cId="1556691533" sldId="262"/>
+            <ac:picMk id="7" creationId="{8E1A0F4E-9047-E4EB-F1E0-F0486C5B7F09}"/>
+          </ac:picMkLst>
+        </pc:picChg>
+        <pc:picChg chg="add mod">
+          <ac:chgData name="Sarela Palacios Mosquera" userId="fe2c0137ca7187e7" providerId="LiveId" clId="{CDAE7E85-DC34-4298-940E-F2F5DB360105}" dt="2023-10-25T16:54:59.685" v="376" actId="1076"/>
+          <ac:picMkLst>
+            <pc:docMk/>
+            <pc:sldMk cId="1556691533" sldId="262"/>
+            <ac:picMk id="9" creationId="{2BEE01E4-24E9-3EA7-6CBB-601BA8B9F2B5}"/>
+          </ac:picMkLst>
+        </pc:picChg>
+      </pc:sldChg>
+      <pc:sldChg chg="addSp delSp modSp new mod">
+        <pc:chgData name="Sarela Palacios Mosquera" userId="fe2c0137ca7187e7" providerId="LiveId" clId="{CDAE7E85-DC34-4298-940E-F2F5DB360105}" dt="2023-10-25T17:03:03.132" v="407" actId="14100"/>
+        <pc:sldMkLst>
+          <pc:docMk/>
+          <pc:sldMk cId="3310240277" sldId="263"/>
+        </pc:sldMkLst>
+        <pc:spChg chg="del">
+          <ac:chgData name="Sarela Palacios Mosquera" userId="fe2c0137ca7187e7" providerId="LiveId" clId="{CDAE7E85-DC34-4298-940E-F2F5DB360105}" dt="2023-10-25T17:00:02.824" v="403" actId="478"/>
+          <ac:spMkLst>
+            <pc:docMk/>
+            <pc:sldMk cId="3310240277" sldId="263"/>
+            <ac:spMk id="2" creationId="{01ABA184-D752-0FAD-DB4B-6D0BB9B0A0D0}"/>
+          </ac:spMkLst>
+        </pc:spChg>
+        <pc:spChg chg="del">
+          <ac:chgData name="Sarela Palacios Mosquera" userId="fe2c0137ca7187e7" providerId="LiveId" clId="{CDAE7E85-DC34-4298-940E-F2F5DB360105}" dt="2023-10-25T17:00:04.913" v="404" actId="478"/>
+          <ac:spMkLst>
+            <pc:docMk/>
+            <pc:sldMk cId="3310240277" sldId="263"/>
+            <ac:spMk id="3" creationId="{35438160-FBED-9C37-ED77-91617CBEF60E}"/>
+          </ac:spMkLst>
+        </pc:spChg>
+        <pc:picChg chg="add mod">
+          <ac:chgData name="Sarela Palacios Mosquera" userId="fe2c0137ca7187e7" providerId="LiveId" clId="{CDAE7E85-DC34-4298-940E-F2F5DB360105}" dt="2023-10-25T17:03:03.132" v="407" actId="14100"/>
+          <ac:picMkLst>
+            <pc:docMk/>
+            <pc:sldMk cId="3310240277" sldId="263"/>
+            <ac:picMk id="5" creationId="{169A05B6-03A5-12D8-8E57-8D99F815CDD4}"/>
+          </ac:picMkLst>
+        </pc:picChg>
+      </pc:sldChg>
+      <pc:sldChg chg="addSp delSp modSp new mod">
+        <pc:chgData name="Sarela Palacios Mosquera" userId="fe2c0137ca7187e7" providerId="LiveId" clId="{CDAE7E85-DC34-4298-940E-F2F5DB360105}" dt="2023-10-25T17:12:04.714" v="416" actId="1076"/>
+        <pc:sldMkLst>
+          <pc:docMk/>
+          <pc:sldMk cId="4213387420" sldId="264"/>
+        </pc:sldMkLst>
+        <pc:spChg chg="del">
+          <ac:chgData name="Sarela Palacios Mosquera" userId="fe2c0137ca7187e7" providerId="LiveId" clId="{CDAE7E85-DC34-4298-940E-F2F5DB360105}" dt="2023-10-25T17:12:00.636" v="414" actId="478"/>
+          <ac:spMkLst>
+            <pc:docMk/>
+            <pc:sldMk cId="4213387420" sldId="264"/>
+            <ac:spMk id="2" creationId="{0077157F-3F02-0BAC-9C48-5EDB08BD2505}"/>
+          </ac:spMkLst>
+        </pc:spChg>
+        <pc:spChg chg="del">
+          <ac:chgData name="Sarela Palacios Mosquera" userId="fe2c0137ca7187e7" providerId="LiveId" clId="{CDAE7E85-DC34-4298-940E-F2F5DB360105}" dt="2023-10-25T17:12:02.573" v="415" actId="478"/>
+          <ac:spMkLst>
+            <pc:docMk/>
+            <pc:sldMk cId="4213387420" sldId="264"/>
+            <ac:spMk id="3" creationId="{3D7CBCB0-A57F-E8F2-447C-7AD7C4EC6F92}"/>
+          </ac:spMkLst>
+        </pc:spChg>
+        <pc:picChg chg="add mod">
+          <ac:chgData name="Sarela Palacios Mosquera" userId="fe2c0137ca7187e7" providerId="LiveId" clId="{CDAE7E85-DC34-4298-940E-F2F5DB360105}" dt="2023-10-25T17:12:04.714" v="416" actId="1076"/>
+          <ac:picMkLst>
+            <pc:docMk/>
+            <pc:sldMk cId="4213387420" sldId="264"/>
+            <ac:picMk id="5" creationId="{CF051A30-92E7-79BA-198C-BA8816883E88}"/>
+          </ac:picMkLst>
+        </pc:picChg>
+      </pc:sldChg>
+      <pc:sldChg chg="addSp delSp modSp new mod">
+        <pc:chgData name="Sarela Palacios Mosquera" userId="fe2c0137ca7187e7" providerId="LiveId" clId="{CDAE7E85-DC34-4298-940E-F2F5DB360105}" dt="2023-10-25T17:30:48.435" v="722" actId="1076"/>
+        <pc:sldMkLst>
+          <pc:docMk/>
+          <pc:sldMk cId="3553900974" sldId="265"/>
+        </pc:sldMkLst>
+        <pc:spChg chg="del">
+          <ac:chgData name="Sarela Palacios Mosquera" userId="fe2c0137ca7187e7" providerId="LiveId" clId="{CDAE7E85-DC34-4298-940E-F2F5DB360105}" dt="2023-10-25T17:17:24.435" v="422" actId="478"/>
+          <ac:spMkLst>
+            <pc:docMk/>
+            <pc:sldMk cId="3553900974" sldId="265"/>
+            <ac:spMk id="2" creationId="{BED90D0D-4BA4-4531-98C3-91ED54418794}"/>
+          </ac:spMkLst>
+        </pc:spChg>
+        <pc:spChg chg="del">
+          <ac:chgData name="Sarela Palacios Mosquera" userId="fe2c0137ca7187e7" providerId="LiveId" clId="{CDAE7E85-DC34-4298-940E-F2F5DB360105}" dt="2023-10-25T17:17:26.920" v="423" actId="478"/>
+          <ac:spMkLst>
+            <pc:docMk/>
+            <pc:sldMk cId="3553900974" sldId="265"/>
+            <ac:spMk id="3" creationId="{E48F6EC6-4296-2D0C-CC39-8945E82F865C}"/>
+          </ac:spMkLst>
+        </pc:spChg>
+        <pc:spChg chg="add mod">
+          <ac:chgData name="Sarela Palacios Mosquera" userId="fe2c0137ca7187e7" providerId="LiveId" clId="{CDAE7E85-DC34-4298-940E-F2F5DB360105}" dt="2023-10-25T17:21:47.736" v="517" actId="20577"/>
+          <ac:spMkLst>
+            <pc:docMk/>
+            <pc:sldMk cId="3553900974" sldId="265"/>
+            <ac:spMk id="7" creationId="{7D9E5C28-83D3-4A0F-64A6-A8982D4BF6D0}"/>
+          </ac:spMkLst>
+        </pc:spChg>
+        <pc:spChg chg="add mod">
+          <ac:chgData name="Sarela Palacios Mosquera" userId="fe2c0137ca7187e7" providerId="LiveId" clId="{CDAE7E85-DC34-4298-940E-F2F5DB360105}" dt="2023-10-25T17:30:48.435" v="722" actId="1076"/>
+          <ac:spMkLst>
+            <pc:docMk/>
+            <pc:sldMk cId="3553900974" sldId="265"/>
+            <ac:spMk id="18" creationId="{42DA750D-1BBF-94E2-E624-CDA51AABBEF9}"/>
+          </ac:spMkLst>
+        </pc:spChg>
+        <pc:picChg chg="add mod">
+          <ac:chgData name="Sarela Palacios Mosquera" userId="fe2c0137ca7187e7" providerId="LiveId" clId="{CDAE7E85-DC34-4298-940E-F2F5DB360105}" dt="2023-10-25T17:23:53.864" v="535" actId="1076"/>
+          <ac:picMkLst>
+            <pc:docMk/>
+            <pc:sldMk cId="3553900974" sldId="265"/>
+            <ac:picMk id="5" creationId="{53ED5C8D-4C5D-FC48-DA9D-4F654810AE62}"/>
+          </ac:picMkLst>
+        </pc:picChg>
+        <pc:cxnChg chg="add del">
+          <ac:chgData name="Sarela Palacios Mosquera" userId="fe2c0137ca7187e7" providerId="LiveId" clId="{CDAE7E85-DC34-4298-940E-F2F5DB360105}" dt="2023-10-25T17:22:00.697" v="519" actId="478"/>
+          <ac:cxnSpMkLst>
+            <pc:docMk/>
+            <pc:sldMk cId="3553900974" sldId="265"/>
+            <ac:cxnSpMk id="9" creationId="{7955163C-320A-A3ED-29D6-6F4B79C7B8D5}"/>
+          </ac:cxnSpMkLst>
+        </pc:cxnChg>
+        <pc:cxnChg chg="add mod">
+          <ac:chgData name="Sarela Palacios Mosquera" userId="fe2c0137ca7187e7" providerId="LiveId" clId="{CDAE7E85-DC34-4298-940E-F2F5DB360105}" dt="2023-10-25T17:22:39.845" v="530" actId="14100"/>
+          <ac:cxnSpMkLst>
+            <pc:docMk/>
+            <pc:sldMk cId="3553900974" sldId="265"/>
+            <ac:cxnSpMk id="11" creationId="{D9B8166A-E2CA-1063-11A2-79AF5321A1AF}"/>
+          </ac:cxnSpMkLst>
+        </pc:cxnChg>
+      </pc:sldChg>
+      <pc:sldChg chg="addSp delSp modSp new mod">
+        <pc:chgData name="Sarela Palacios Mosquera" userId="fe2c0137ca7187e7" providerId="LiveId" clId="{CDAE7E85-DC34-4298-940E-F2F5DB360105}" dt="2023-10-25T17:33:39.128" v="833" actId="20577"/>
+        <pc:sldMkLst>
+          <pc:docMk/>
+          <pc:sldMk cId="3842693337" sldId="266"/>
+        </pc:sldMkLst>
+        <pc:spChg chg="mod">
+          <ac:chgData name="Sarela Palacios Mosquera" userId="fe2c0137ca7187e7" providerId="LiveId" clId="{CDAE7E85-DC34-4298-940E-F2F5DB360105}" dt="2023-10-25T17:33:39.128" v="833" actId="20577"/>
+          <ac:spMkLst>
+            <pc:docMk/>
+            <pc:sldMk cId="3842693337" sldId="266"/>
+            <ac:spMk id="2" creationId="{31E9AFDA-BB7D-CB1E-54BF-54D965A3DBFB}"/>
+          </ac:spMkLst>
+        </pc:spChg>
+        <pc:spChg chg="mod">
+          <ac:chgData name="Sarela Palacios Mosquera" userId="fe2c0137ca7187e7" providerId="LiveId" clId="{CDAE7E85-DC34-4298-940E-F2F5DB360105}" dt="2023-10-25T17:32:45.091" v="782" actId="14100"/>
+          <ac:spMkLst>
+            <pc:docMk/>
+            <pc:sldMk cId="3842693337" sldId="266"/>
+            <ac:spMk id="3" creationId="{89EA569C-64F7-33C0-A0E4-3CB87F72A9AB}"/>
+          </ac:spMkLst>
+        </pc:spChg>
+        <pc:spChg chg="add del mod">
+          <ac:chgData name="Sarela Palacios Mosquera" userId="fe2c0137ca7187e7" providerId="LiveId" clId="{CDAE7E85-DC34-4298-940E-F2F5DB360105}" dt="2023-10-25T17:30:24.519" v="717" actId="478"/>
+          <ac:spMkLst>
+            <pc:docMk/>
+            <pc:sldMk cId="3842693337" sldId="266"/>
+            <ac:spMk id="5" creationId="{42E0C3C3-D099-33FB-F778-CBA0A89B3CD5}"/>
+          </ac:spMkLst>
+        </pc:spChg>
+        <pc:spChg chg="add del">
+          <ac:chgData name="Sarela Palacios Mosquera" userId="fe2c0137ca7187e7" providerId="LiveId" clId="{CDAE7E85-DC34-4298-940E-F2F5DB360105}" dt="2023-10-25T17:30:36.834" v="719" actId="478"/>
+          <ac:spMkLst>
+            <pc:docMk/>
+            <pc:sldMk cId="3842693337" sldId="266"/>
+            <ac:spMk id="7" creationId="{EDE326D8-0B06-13A2-743C-A30E82D93B86}"/>
+          </ac:spMkLst>
+        </pc:spChg>
+        <pc:spChg chg="add mod">
+          <ac:chgData name="Sarela Palacios Mosquera" userId="fe2c0137ca7187e7" providerId="LiveId" clId="{CDAE7E85-DC34-4298-940E-F2F5DB360105}" dt="2023-10-25T17:32:38.463" v="781" actId="20577"/>
+          <ac:spMkLst>
+            <pc:docMk/>
+            <pc:sldMk cId="3842693337" sldId="266"/>
+            <ac:spMk id="8" creationId="{204389CC-A7D0-12D0-6C3D-D3019E6FF26F}"/>
+          </ac:spMkLst>
+        </pc:spChg>
+        <pc:spChg chg="add mod">
+          <ac:chgData name="Sarela Palacios Mosquera" userId="fe2c0137ca7187e7" providerId="LiveId" clId="{CDAE7E85-DC34-4298-940E-F2F5DB360105}" dt="2023-10-25T17:33:25.750" v="832" actId="115"/>
+          <ac:spMkLst>
+            <pc:docMk/>
+            <pc:sldMk cId="3842693337" sldId="266"/>
+            <ac:spMk id="9" creationId="{078C07F8-A8CF-B994-0C07-18B8A94FBBF1}"/>
+          </ac:spMkLst>
+        </pc:spChg>
+      </pc:sldChg>
+      <pc:sldChg chg="new del">
+        <pc:chgData name="Sarela Palacios Mosquera" userId="fe2c0137ca7187e7" providerId="LiveId" clId="{CDAE7E85-DC34-4298-940E-F2F5DB360105}" dt="2023-10-25T17:15:58.571" v="420" actId="47"/>
+        <pc:sldMkLst>
+          <pc:docMk/>
+          <pc:sldMk cId="4032042666" sldId="266"/>
+        </pc:sldMkLst>
+      </pc:sldChg>
+      <pc:sldChg chg="new del">
+        <pc:chgData name="Sarela Palacios Mosquera" userId="fe2c0137ca7187e7" providerId="LiveId" clId="{CDAE7E85-DC34-4298-940E-F2F5DB360105}" dt="2023-10-25T17:50:33.100" v="835" actId="47"/>
+        <pc:sldMkLst>
+          <pc:docMk/>
+          <pc:sldMk cId="4071087238" sldId="267"/>
+        </pc:sldMkLst>
+      </pc:sldChg>
+    </pc:docChg>
+  </pc:docChgLst>
+</pc:chgInfo>
 </file>
 
 <file path=ppt/slideLayouts/slideLayout1.xml><?xml version="1.0" encoding="utf-8"?>
@@ -15860,6 +16340,402 @@
 </p:sld>
 </file>
 
+<file path=ppt/slides/slide10.xml><?xml version="1.0" encoding="utf-8"?>
+<p:sld xmlns:a="http://schemas.openxmlformats.org/drawingml/2006/main" xmlns:r="http://schemas.openxmlformats.org/officeDocument/2006/relationships" xmlns:p="http://schemas.openxmlformats.org/presentationml/2006/main">
+  <p:cSld>
+    <p:spTree>
+      <p:nvGrpSpPr>
+        <p:cNvPr id="1" name=""/>
+        <p:cNvGrpSpPr/>
+        <p:nvPr/>
+      </p:nvGrpSpPr>
+      <p:grpSpPr>
+        <a:xfrm>
+          <a:off x="0" y="0"/>
+          <a:ext cx="0" cy="0"/>
+          <a:chOff x="0" y="0"/>
+          <a:chExt cx="0" cy="0"/>
+        </a:xfrm>
+      </p:grpSpPr>
+      <p:sp>
+        <p:nvSpPr>
+          <p:cNvPr id="2" name="Título 1">
+            <a:extLst>
+              <a:ext uri="{FF2B5EF4-FFF2-40B4-BE49-F238E27FC236}">
+                <a16:creationId xmlns:a16="http://schemas.microsoft.com/office/drawing/2014/main" id="{31E9AFDA-BB7D-CB1E-54BF-54D965A3DBFB}"/>
+              </a:ext>
+            </a:extLst>
+          </p:cNvPr>
+          <p:cNvSpPr>
+            <a:spLocks noGrp="1"/>
+          </p:cNvSpPr>
+          <p:nvPr>
+            <p:ph type="title"/>
+          </p:nvPr>
+        </p:nvSpPr>
+        <p:spPr/>
+        <p:txBody>
+          <a:bodyPr/>
+          <a:lstStyle/>
+          <a:p>
+            <a:r>
+              <a:rPr lang="es-PE" dirty="0"/>
+              <a:t>Predicciones</a:t>
+            </a:r>
+          </a:p>
+        </p:txBody>
+      </p:sp>
+      <p:sp>
+        <p:nvSpPr>
+          <p:cNvPr id="3" name="Marcador de contenido 2">
+            <a:extLst>
+              <a:ext uri="{FF2B5EF4-FFF2-40B4-BE49-F238E27FC236}">
+                <a16:creationId xmlns:a16="http://schemas.microsoft.com/office/drawing/2014/main" id="{89EA569C-64F7-33C0-A0E4-3CB87F72A9AB}"/>
+              </a:ext>
+            </a:extLst>
+          </p:cNvPr>
+          <p:cNvSpPr>
+            <a:spLocks noGrp="1"/>
+          </p:cNvSpPr>
+          <p:nvPr>
+            <p:ph idx="1"/>
+          </p:nvPr>
+        </p:nvSpPr>
+        <p:spPr>
+          <a:xfrm>
+            <a:off x="565150" y="2160016"/>
+            <a:ext cx="6431395" cy="832566"/>
+          </a:xfrm>
+        </p:spPr>
+        <p:txBody>
+          <a:bodyPr/>
+          <a:lstStyle/>
+          <a:p>
+            <a:r>
+              <a:rPr lang="es-PE" dirty="0"/>
+              <a:t>Deseo calcular cuanto podría vender un auto cuyo kilometraje es 100.</a:t>
+            </a:r>
+          </a:p>
+          <a:p>
+            <a:endParaRPr lang="es-PE" dirty="0"/>
+          </a:p>
+        </p:txBody>
+      </p:sp>
+      <p:sp>
+        <p:nvSpPr>
+          <p:cNvPr id="8" name="CuadroTexto 7">
+            <a:extLst>
+              <a:ext uri="{FF2B5EF4-FFF2-40B4-BE49-F238E27FC236}">
+                <a16:creationId xmlns:a16="http://schemas.microsoft.com/office/drawing/2014/main" id="{204389CC-A7D0-12D0-6C3D-D3019E6FF26F}"/>
+              </a:ext>
+            </a:extLst>
+          </p:cNvPr>
+          <p:cNvSpPr txBox="1"/>
+          <p:nvPr/>
+        </p:nvSpPr>
+        <p:spPr>
+          <a:xfrm>
+            <a:off x="1185067" y="3105834"/>
+            <a:ext cx="6096000" cy="2585323"/>
+          </a:xfrm>
+          <a:prstGeom prst="rect">
+            <a:avLst/>
+          </a:prstGeom>
+          <a:noFill/>
+        </p:spPr>
+        <p:txBody>
+          <a:bodyPr wrap="square">
+            <a:spAutoFit/>
+          </a:bodyPr>
+          <a:lstStyle/>
+          <a:p>
+            <a:r>
+              <a:rPr lang="es-ES" dirty="0"/>
+              <a:t>El modelo de Regresión Lineal es</a:t>
+            </a:r>
+          </a:p>
+          <a:p>
+            <a:endParaRPr lang="es-ES" dirty="0"/>
+          </a:p>
+          <a:p>
+            <a:r>
+              <a:rPr lang="es-ES" dirty="0" err="1"/>
+              <a:t>SellPrice</a:t>
+            </a:r>
+            <a:r>
+              <a:rPr lang="es-ES" dirty="0"/>
+              <a:t>= -0.387 × </a:t>
+            </a:r>
+            <a:r>
+              <a:rPr lang="es-ES" dirty="0" err="1"/>
+              <a:t>Mileage</a:t>
+            </a:r>
+            <a:r>
+              <a:rPr lang="es-ES" dirty="0"/>
+              <a:t> + 49571.041</a:t>
+            </a:r>
+          </a:p>
+          <a:p>
+            <a:r>
+              <a:rPr lang="es-ES" dirty="0" err="1"/>
+              <a:t>Sell</a:t>
+            </a:r>
+            <a:r>
+              <a:rPr lang="es-ES" dirty="0"/>
+              <a:t> Price=-0.387*100+49571.041</a:t>
+            </a:r>
+          </a:p>
+          <a:p>
+            <a:r>
+              <a:rPr lang="es-ES" dirty="0" err="1"/>
+              <a:t>SellPrice</a:t>
+            </a:r>
+            <a:r>
+              <a:rPr lang="es-ES" dirty="0"/>
+              <a:t>=4918.341</a:t>
+            </a:r>
+          </a:p>
+          <a:p>
+            <a:endParaRPr lang="es-ES" dirty="0"/>
+          </a:p>
+          <a:p>
+            <a:endParaRPr lang="es-ES" dirty="0"/>
+          </a:p>
+          <a:p>
+            <a:endParaRPr lang="es-ES" dirty="0"/>
+          </a:p>
+          <a:p>
+            <a:endParaRPr lang="es-PE" dirty="0"/>
+          </a:p>
+        </p:txBody>
+      </p:sp>
+      <p:sp>
+        <p:nvSpPr>
+          <p:cNvPr id="9" name="Marcador de contenido 2">
+            <a:extLst>
+              <a:ext uri="{FF2B5EF4-FFF2-40B4-BE49-F238E27FC236}">
+                <a16:creationId xmlns:a16="http://schemas.microsoft.com/office/drawing/2014/main" id="{078C07F8-A8CF-B994-0C07-18B8A94FBBF1}"/>
+              </a:ext>
+            </a:extLst>
+          </p:cNvPr>
+          <p:cNvSpPr txBox="1">
+            <a:spLocks/>
+          </p:cNvSpPr>
+          <p:nvPr/>
+        </p:nvSpPr>
+        <p:spPr>
+          <a:xfrm>
+            <a:off x="565150" y="4736961"/>
+            <a:ext cx="6431395" cy="832566"/>
+          </a:xfrm>
+          <a:prstGeom prst="rect">
+            <a:avLst/>
+          </a:prstGeom>
+        </p:spPr>
+        <p:txBody>
+          <a:bodyPr vert="horz" lIns="91440" tIns="45720" rIns="91440" bIns="45720" rtlCol="0">
+            <a:normAutofit/>
+          </a:bodyPr>
+          <a:lstStyle>
+            <a:lvl1pPr marL="228600" indent="-228600" algn="l" defTabSz="914400" rtl="0" eaLnBrk="1" latinLnBrk="0" hangingPunct="1">
+              <a:lnSpc>
+                <a:spcPct val="100000"/>
+              </a:lnSpc>
+              <a:spcBef>
+                <a:spcPts val="900"/>
+              </a:spcBef>
+              <a:buFont typeface="Arial" panose="020B0604020202020204" pitchFamily="34" charset="0"/>
+              <a:buChar char="•"/>
+              <a:defRPr sz="2400" b="0" i="0" kern="1200">
+                <a:solidFill>
+                  <a:schemeClr val="tx1"/>
+                </a:solidFill>
+                <a:latin typeface="+mn-lt"/>
+                <a:ea typeface="+mn-ea"/>
+                <a:cs typeface="+mn-cs"/>
+              </a:defRPr>
+            </a:lvl1pPr>
+            <a:lvl2pPr marL="685800" indent="-228600" algn="l" defTabSz="914400" rtl="0" eaLnBrk="1" latinLnBrk="0" hangingPunct="1">
+              <a:lnSpc>
+                <a:spcPct val="100000"/>
+              </a:lnSpc>
+              <a:spcBef>
+                <a:spcPts val="900"/>
+              </a:spcBef>
+              <a:buFont typeface="Arial" panose="020B0604020202020204" pitchFamily="34" charset="0"/>
+              <a:buChar char="•"/>
+              <a:defRPr sz="2000" b="0" i="0" kern="1200">
+                <a:solidFill>
+                  <a:schemeClr val="tx1"/>
+                </a:solidFill>
+                <a:latin typeface="+mn-lt"/>
+                <a:ea typeface="+mn-ea"/>
+                <a:cs typeface="+mn-cs"/>
+              </a:defRPr>
+            </a:lvl2pPr>
+            <a:lvl3pPr marL="1143000" indent="-228600" algn="l" defTabSz="914400" rtl="0" eaLnBrk="1" latinLnBrk="0" hangingPunct="1">
+              <a:lnSpc>
+                <a:spcPct val="100000"/>
+              </a:lnSpc>
+              <a:spcBef>
+                <a:spcPts val="900"/>
+              </a:spcBef>
+              <a:buFont typeface="Arial" panose="020B0604020202020204" pitchFamily="34" charset="0"/>
+              <a:buChar char="•"/>
+              <a:defRPr sz="1800" b="0" i="0" kern="1200">
+                <a:solidFill>
+                  <a:schemeClr val="tx1"/>
+                </a:solidFill>
+                <a:latin typeface="+mn-lt"/>
+                <a:ea typeface="+mn-ea"/>
+                <a:cs typeface="+mn-cs"/>
+              </a:defRPr>
+            </a:lvl3pPr>
+            <a:lvl4pPr marL="1600200" indent="-228600" algn="l" defTabSz="914400" rtl="0" eaLnBrk="1" latinLnBrk="0" hangingPunct="1">
+              <a:lnSpc>
+                <a:spcPct val="100000"/>
+              </a:lnSpc>
+              <a:spcBef>
+                <a:spcPts val="900"/>
+              </a:spcBef>
+              <a:buFont typeface="Arial" panose="020B0604020202020204" pitchFamily="34" charset="0"/>
+              <a:buChar char="•"/>
+              <a:defRPr sz="1600" b="0" i="0" kern="1200">
+                <a:solidFill>
+                  <a:schemeClr val="tx1"/>
+                </a:solidFill>
+                <a:latin typeface="+mn-lt"/>
+                <a:ea typeface="+mn-ea"/>
+                <a:cs typeface="+mn-cs"/>
+              </a:defRPr>
+            </a:lvl4pPr>
+            <a:lvl5pPr marL="2057400" indent="-228600" algn="l" defTabSz="914400" rtl="0" eaLnBrk="1" latinLnBrk="0" hangingPunct="1">
+              <a:lnSpc>
+                <a:spcPct val="100000"/>
+              </a:lnSpc>
+              <a:spcBef>
+                <a:spcPts val="900"/>
+              </a:spcBef>
+              <a:buFont typeface="Arial" panose="020B0604020202020204" pitchFamily="34" charset="0"/>
+              <a:buChar char="•"/>
+              <a:defRPr sz="1400" b="0" i="0" kern="1200">
+                <a:solidFill>
+                  <a:schemeClr val="tx1"/>
+                </a:solidFill>
+                <a:latin typeface="+mn-lt"/>
+                <a:ea typeface="+mn-ea"/>
+                <a:cs typeface="+mn-cs"/>
+              </a:defRPr>
+            </a:lvl5pPr>
+            <a:lvl6pPr marL="2514600" indent="-228600" algn="l" defTabSz="914400" rtl="0" eaLnBrk="1" latinLnBrk="0" hangingPunct="1">
+              <a:lnSpc>
+                <a:spcPct val="90000"/>
+              </a:lnSpc>
+              <a:spcBef>
+                <a:spcPts val="500"/>
+              </a:spcBef>
+              <a:buFont typeface="Arial" panose="020B0604020202020204" pitchFamily="34" charset="0"/>
+              <a:buChar char="•"/>
+              <a:defRPr sz="1800" kern="1200">
+                <a:solidFill>
+                  <a:schemeClr val="tx1"/>
+                </a:solidFill>
+                <a:latin typeface="+mn-lt"/>
+                <a:ea typeface="+mn-ea"/>
+                <a:cs typeface="+mn-cs"/>
+              </a:defRPr>
+            </a:lvl6pPr>
+            <a:lvl7pPr marL="2971800" indent="-228600" algn="l" defTabSz="914400" rtl="0" eaLnBrk="1" latinLnBrk="0" hangingPunct="1">
+              <a:lnSpc>
+                <a:spcPct val="90000"/>
+              </a:lnSpc>
+              <a:spcBef>
+                <a:spcPts val="500"/>
+              </a:spcBef>
+              <a:buFont typeface="Arial" panose="020B0604020202020204" pitchFamily="34" charset="0"/>
+              <a:buChar char="•"/>
+              <a:defRPr sz="1800" kern="1200">
+                <a:solidFill>
+                  <a:schemeClr val="tx1"/>
+                </a:solidFill>
+                <a:latin typeface="+mn-lt"/>
+                <a:ea typeface="+mn-ea"/>
+                <a:cs typeface="+mn-cs"/>
+              </a:defRPr>
+            </a:lvl7pPr>
+            <a:lvl8pPr marL="3429000" indent="-228600" algn="l" defTabSz="914400" rtl="0" eaLnBrk="1" latinLnBrk="0" hangingPunct="1">
+              <a:lnSpc>
+                <a:spcPct val="90000"/>
+              </a:lnSpc>
+              <a:spcBef>
+                <a:spcPts val="500"/>
+              </a:spcBef>
+              <a:buFont typeface="Arial" panose="020B0604020202020204" pitchFamily="34" charset="0"/>
+              <a:buChar char="•"/>
+              <a:defRPr sz="1800" kern="1200">
+                <a:solidFill>
+                  <a:schemeClr val="tx1"/>
+                </a:solidFill>
+                <a:latin typeface="+mn-lt"/>
+                <a:ea typeface="+mn-ea"/>
+                <a:cs typeface="+mn-cs"/>
+              </a:defRPr>
+            </a:lvl8pPr>
+            <a:lvl9pPr marL="3886200" indent="-228600" algn="l" defTabSz="914400" rtl="0" eaLnBrk="1" latinLnBrk="0" hangingPunct="1">
+              <a:lnSpc>
+                <a:spcPct val="90000"/>
+              </a:lnSpc>
+              <a:spcBef>
+                <a:spcPts val="500"/>
+              </a:spcBef>
+              <a:buFont typeface="Arial" panose="020B0604020202020204" pitchFamily="34" charset="0"/>
+              <a:buChar char="•"/>
+              <a:defRPr sz="1800" kern="1200">
+                <a:solidFill>
+                  <a:schemeClr val="tx1"/>
+                </a:solidFill>
+                <a:latin typeface="+mn-lt"/>
+                <a:ea typeface="+mn-ea"/>
+                <a:cs typeface="+mn-cs"/>
+              </a:defRPr>
+            </a:lvl9pPr>
+          </a:lstStyle>
+          <a:p>
+            <a:r>
+              <a:rPr lang="es-PE" i="1" u="sng" dirty="0"/>
+              <a:t>Conclusión</a:t>
+            </a:r>
+            <a:r>
+              <a:rPr lang="es-PE" dirty="0"/>
+              <a:t>: Para vender un auto cuyo kilometraje es 100 se </a:t>
+            </a:r>
+            <a:r>
+              <a:rPr lang="es-PE" dirty="0" err="1"/>
+              <a:t>venderia</a:t>
+            </a:r>
+            <a:r>
+              <a:rPr lang="es-PE" dirty="0"/>
+              <a:t> $4918.341</a:t>
+            </a:r>
+          </a:p>
+          <a:p>
+            <a:endParaRPr lang="es-PE" dirty="0"/>
+          </a:p>
+        </p:txBody>
+      </p:sp>
+    </p:spTree>
+    <p:extLst>
+      <p:ext uri="{BB962C8B-B14F-4D97-AF65-F5344CB8AC3E}">
+        <p14:creationId xmlns:p14="http://schemas.microsoft.com/office/powerpoint/2010/main" val="3842693337"/>
+      </p:ext>
+    </p:extLst>
+  </p:cSld>
+  <p:clrMapOvr>
+    <a:masterClrMapping/>
+  </p:clrMapOvr>
+</p:sld>
+</file>
+
 <file path=ppt/slides/slide2.xml><?xml version="1.0" encoding="utf-8"?>
 <p:sld xmlns:a="http://schemas.openxmlformats.org/drawingml/2006/main" xmlns:r="http://schemas.openxmlformats.org/officeDocument/2006/relationships" xmlns:p="http://schemas.openxmlformats.org/presentationml/2006/main">
   <p:cSld>
@@ -16162,6 +17038,907 @@
 </p:sld>
 </file>
 
+<file path=ppt/slides/slide4.xml><?xml version="1.0" encoding="utf-8"?>
+<p:sld xmlns:a="http://schemas.openxmlformats.org/drawingml/2006/main" xmlns:r="http://schemas.openxmlformats.org/officeDocument/2006/relationships" xmlns:p="http://schemas.openxmlformats.org/presentationml/2006/main">
+  <p:cSld>
+    <p:spTree>
+      <p:nvGrpSpPr>
+        <p:cNvPr id="1" name=""/>
+        <p:cNvGrpSpPr/>
+        <p:nvPr/>
+      </p:nvGrpSpPr>
+      <p:grpSpPr>
+        <a:xfrm>
+          <a:off x="0" y="0"/>
+          <a:ext cx="0" cy="0"/>
+          <a:chOff x="0" y="0"/>
+          <a:chExt cx="0" cy="0"/>
+        </a:xfrm>
+      </p:grpSpPr>
+      <p:sp>
+        <p:nvSpPr>
+          <p:cNvPr id="2" name="Título 1">
+            <a:extLst>
+              <a:ext uri="{FF2B5EF4-FFF2-40B4-BE49-F238E27FC236}">
+                <a16:creationId xmlns:a16="http://schemas.microsoft.com/office/drawing/2014/main" id="{FA917AE8-EC00-597E-39D1-8EA0187A35F8}"/>
+              </a:ext>
+            </a:extLst>
+          </p:cNvPr>
+          <p:cNvSpPr>
+            <a:spLocks noGrp="1"/>
+          </p:cNvSpPr>
+          <p:nvPr>
+            <p:ph type="title"/>
+          </p:nvPr>
+        </p:nvSpPr>
+        <p:spPr>
+          <a:xfrm>
+            <a:off x="576118" y="770890"/>
+            <a:ext cx="7335835" cy="1268984"/>
+          </a:xfrm>
+        </p:spPr>
+        <p:txBody>
+          <a:bodyPr/>
+          <a:lstStyle/>
+          <a:p>
+            <a:r>
+              <a:rPr lang="es-PE" dirty="0"/>
+              <a:t>Ejemplo de Rapidminer</a:t>
+            </a:r>
+          </a:p>
+        </p:txBody>
+      </p:sp>
+      <p:sp>
+        <p:nvSpPr>
+          <p:cNvPr id="5" name="CuadroTexto 4">
+            <a:extLst>
+              <a:ext uri="{FF2B5EF4-FFF2-40B4-BE49-F238E27FC236}">
+                <a16:creationId xmlns:a16="http://schemas.microsoft.com/office/drawing/2014/main" id="{B9ACC560-B4DF-7364-4282-A61810A259FB}"/>
+              </a:ext>
+            </a:extLst>
+          </p:cNvPr>
+          <p:cNvSpPr txBox="1"/>
+          <p:nvPr/>
+        </p:nvSpPr>
+        <p:spPr>
+          <a:xfrm>
+            <a:off x="565150" y="1578209"/>
+            <a:ext cx="6096000" cy="923330"/>
+          </a:xfrm>
+          <a:prstGeom prst="rect">
+            <a:avLst/>
+          </a:prstGeom>
+          <a:noFill/>
+        </p:spPr>
+        <p:txBody>
+          <a:bodyPr wrap="square">
+            <a:spAutoFit/>
+          </a:bodyPr>
+          <a:lstStyle/>
+          <a:p>
+            <a:r>
+              <a:rPr lang="es-ES" b="0" i="0" dirty="0">
+                <a:solidFill>
+                  <a:srgbClr val="3C4043"/>
+                </a:solidFill>
+                <a:effectLst/>
+                <a:latin typeface="Inter"/>
+              </a:rPr>
+              <a:t>Conjunto de datos de automóviles con características que incluyen marca, modelo, año, motor y otras propiedades del automóvil utilizadas para predecir su precio</a:t>
+            </a:r>
+            <a:endParaRPr lang="es-PE" dirty="0"/>
+          </a:p>
+        </p:txBody>
+      </p:sp>
+      <p:pic>
+        <p:nvPicPr>
+          <p:cNvPr id="11" name="Imagen 10">
+            <a:extLst>
+              <a:ext uri="{FF2B5EF4-FFF2-40B4-BE49-F238E27FC236}">
+                <a16:creationId xmlns:a16="http://schemas.microsoft.com/office/drawing/2014/main" id="{848772D0-4558-066C-3578-CBE8E0B66F46}"/>
+              </a:ext>
+            </a:extLst>
+          </p:cNvPr>
+          <p:cNvPicPr>
+            <a:picLocks noChangeAspect="1"/>
+          </p:cNvPicPr>
+          <p:nvPr/>
+        </p:nvPicPr>
+        <p:blipFill>
+          <a:blip r:embed="rId2"/>
+          <a:stretch>
+            <a:fillRect/>
+          </a:stretch>
+        </p:blipFill>
+        <p:spPr>
+          <a:xfrm>
+            <a:off x="8783578" y="3114631"/>
+            <a:ext cx="2495898" cy="1962424"/>
+          </a:xfrm>
+          <a:prstGeom prst="rect">
+            <a:avLst/>
+          </a:prstGeom>
+        </p:spPr>
+      </p:pic>
+      <p:pic>
+        <p:nvPicPr>
+          <p:cNvPr id="21" name="Imagen 20">
+            <a:extLst>
+              <a:ext uri="{FF2B5EF4-FFF2-40B4-BE49-F238E27FC236}">
+                <a16:creationId xmlns:a16="http://schemas.microsoft.com/office/drawing/2014/main" id="{0C444640-17FA-21B7-5EB1-2368B77EB3BA}"/>
+              </a:ext>
+            </a:extLst>
+          </p:cNvPr>
+          <p:cNvPicPr>
+            <a:picLocks noChangeAspect="1"/>
+          </p:cNvPicPr>
+          <p:nvPr/>
+        </p:nvPicPr>
+        <p:blipFill>
+          <a:blip r:embed="rId3"/>
+          <a:stretch>
+            <a:fillRect/>
+          </a:stretch>
+        </p:blipFill>
+        <p:spPr>
+          <a:xfrm>
+            <a:off x="1273012" y="2943157"/>
+            <a:ext cx="7140549" cy="2133898"/>
+          </a:xfrm>
+          <a:prstGeom prst="rect">
+            <a:avLst/>
+          </a:prstGeom>
+        </p:spPr>
+      </p:pic>
+    </p:spTree>
+    <p:extLst>
+      <p:ext uri="{BB962C8B-B14F-4D97-AF65-F5344CB8AC3E}">
+        <p14:creationId xmlns:p14="http://schemas.microsoft.com/office/powerpoint/2010/main" val="1424879473"/>
+      </p:ext>
+    </p:extLst>
+  </p:cSld>
+  <p:clrMapOvr>
+    <a:masterClrMapping/>
+  </p:clrMapOvr>
+</p:sld>
+</file>
+
+<file path=ppt/slides/slide5.xml><?xml version="1.0" encoding="utf-8"?>
+<p:sld xmlns:a="http://schemas.openxmlformats.org/drawingml/2006/main" xmlns:r="http://schemas.openxmlformats.org/officeDocument/2006/relationships" xmlns:p="http://schemas.openxmlformats.org/presentationml/2006/main">
+  <p:cSld>
+    <p:spTree>
+      <p:nvGrpSpPr>
+        <p:cNvPr id="1" name=""/>
+        <p:cNvGrpSpPr/>
+        <p:nvPr/>
+      </p:nvGrpSpPr>
+      <p:grpSpPr>
+        <a:xfrm>
+          <a:off x="0" y="0"/>
+          <a:ext cx="0" cy="0"/>
+          <a:chOff x="0" y="0"/>
+          <a:chExt cx="0" cy="0"/>
+        </a:xfrm>
+      </p:grpSpPr>
+      <p:sp>
+        <p:nvSpPr>
+          <p:cNvPr id="9" name="CuadroTexto 8">
+            <a:extLst>
+              <a:ext uri="{FF2B5EF4-FFF2-40B4-BE49-F238E27FC236}">
+                <a16:creationId xmlns:a16="http://schemas.microsoft.com/office/drawing/2014/main" id="{6D128B52-638E-3507-D794-2EE2CC13AB69}"/>
+              </a:ext>
+            </a:extLst>
+          </p:cNvPr>
+          <p:cNvSpPr txBox="1"/>
+          <p:nvPr/>
+        </p:nvSpPr>
+        <p:spPr>
+          <a:xfrm>
+            <a:off x="1376129" y="408103"/>
+            <a:ext cx="7684744" cy="2308324"/>
+          </a:xfrm>
+          <a:prstGeom prst="rect">
+            <a:avLst/>
+          </a:prstGeom>
+          <a:noFill/>
+        </p:spPr>
+        <p:txBody>
+          <a:bodyPr wrap="square">
+            <a:spAutoFit/>
+          </a:bodyPr>
+          <a:lstStyle/>
+          <a:p>
+            <a:r>
+              <a:rPr lang="es-ES" dirty="0"/>
+              <a:t>Para aplicar la Regresión, es necesario especificar un atributo que va ser la variable a predecir del conjunto de datos como función de la variable dependiente.</a:t>
+            </a:r>
+          </a:p>
+          <a:p>
+            <a:pPr marL="285750" indent="-285750">
+              <a:buFont typeface="Wingdings" panose="05000000000000000000" pitchFamily="2" charset="2"/>
+              <a:buChar char="v"/>
+            </a:pPr>
+            <a:r>
+              <a:rPr lang="es-ES" b="1" dirty="0" err="1"/>
+              <a:t>Edit</a:t>
+            </a:r>
+            <a:r>
+              <a:rPr lang="es-ES" b="1" dirty="0"/>
+              <a:t>: </a:t>
+            </a:r>
+            <a:r>
+              <a:rPr lang="es-ES" dirty="0"/>
+              <a:t>Haga clic con el botón derecho en el conjunto de datos y seleccione</a:t>
+            </a:r>
+          </a:p>
+          <a:p>
+            <a:pPr marL="285750" indent="-285750">
+              <a:buFont typeface="Wingdings" panose="05000000000000000000" pitchFamily="2" charset="2"/>
+              <a:buChar char="v"/>
+            </a:pPr>
+            <a:r>
+              <a:rPr lang="es-ES" b="1" dirty="0"/>
+              <a:t> </a:t>
+            </a:r>
+            <a:r>
+              <a:rPr lang="es-ES" b="1" dirty="0" err="1"/>
+              <a:t>Modifity</a:t>
+            </a:r>
+            <a:r>
+              <a:rPr lang="es-ES" b="1" dirty="0"/>
+              <a:t> </a:t>
+            </a:r>
+            <a:r>
+              <a:rPr lang="es-ES" b="1" dirty="0" err="1"/>
+              <a:t>attribute</a:t>
+            </a:r>
+            <a:r>
+              <a:rPr lang="es-ES" b="1" dirty="0"/>
+              <a:t> </a:t>
+            </a:r>
+            <a:r>
+              <a:rPr lang="es-ES" dirty="0"/>
+              <a:t>, Haga clic con el botón derecho , luego elija etiqueta adecuada (</a:t>
+            </a:r>
+            <a:r>
+              <a:rPr lang="es-ES" dirty="0" err="1"/>
+              <a:t>label</a:t>
+            </a:r>
+            <a:r>
+              <a:rPr lang="es-ES" dirty="0"/>
+              <a:t>) para  variable que va ser la variable </a:t>
+            </a:r>
+            <a:r>
+              <a:rPr lang="es-ES" dirty="0" err="1"/>
+              <a:t>dependediente</a:t>
+            </a:r>
+            <a:r>
+              <a:rPr lang="es-ES" dirty="0"/>
+              <a:t>.</a:t>
+            </a:r>
+            <a:endParaRPr lang="es-PE" dirty="0"/>
+          </a:p>
+        </p:txBody>
+      </p:sp>
+      <p:pic>
+        <p:nvPicPr>
+          <p:cNvPr id="13" name="Imagen 12">
+            <a:extLst>
+              <a:ext uri="{FF2B5EF4-FFF2-40B4-BE49-F238E27FC236}">
+                <a16:creationId xmlns:a16="http://schemas.microsoft.com/office/drawing/2014/main" id="{9562D8B7-6177-F138-970F-7C2284600B61}"/>
+              </a:ext>
+            </a:extLst>
+          </p:cNvPr>
+          <p:cNvPicPr>
+            <a:picLocks noChangeAspect="1"/>
+          </p:cNvPicPr>
+          <p:nvPr/>
+        </p:nvPicPr>
+        <p:blipFill>
+          <a:blip r:embed="rId2"/>
+          <a:stretch>
+            <a:fillRect/>
+          </a:stretch>
+        </p:blipFill>
+        <p:spPr>
+          <a:xfrm>
+            <a:off x="1376129" y="2798362"/>
+            <a:ext cx="3505689" cy="1343212"/>
+          </a:xfrm>
+          <a:prstGeom prst="rect">
+            <a:avLst/>
+          </a:prstGeom>
+        </p:spPr>
+      </p:pic>
+      <p:pic>
+        <p:nvPicPr>
+          <p:cNvPr id="17" name="Imagen 16">
+            <a:extLst>
+              <a:ext uri="{FF2B5EF4-FFF2-40B4-BE49-F238E27FC236}">
+                <a16:creationId xmlns:a16="http://schemas.microsoft.com/office/drawing/2014/main" id="{B991A1A9-DA2E-B2C9-85D2-90B376FE3BA4}"/>
+              </a:ext>
+            </a:extLst>
+          </p:cNvPr>
+          <p:cNvPicPr>
+            <a:picLocks noChangeAspect="1"/>
+          </p:cNvPicPr>
+          <p:nvPr/>
+        </p:nvPicPr>
+        <p:blipFill>
+          <a:blip r:embed="rId3"/>
+          <a:stretch>
+            <a:fillRect/>
+          </a:stretch>
+        </p:blipFill>
+        <p:spPr>
+          <a:xfrm>
+            <a:off x="6836941" y="2080053"/>
+            <a:ext cx="5200444" cy="2709322"/>
+          </a:xfrm>
+          <a:prstGeom prst="rect">
+            <a:avLst/>
+          </a:prstGeom>
+        </p:spPr>
+      </p:pic>
+      <p:pic>
+        <p:nvPicPr>
+          <p:cNvPr id="19" name="Imagen 18">
+            <a:extLst>
+              <a:ext uri="{FF2B5EF4-FFF2-40B4-BE49-F238E27FC236}">
+                <a16:creationId xmlns:a16="http://schemas.microsoft.com/office/drawing/2014/main" id="{0EA94C73-1D38-016D-BB0D-070D4C1BDD30}"/>
+              </a:ext>
+            </a:extLst>
+          </p:cNvPr>
+          <p:cNvPicPr>
+            <a:picLocks noChangeAspect="1"/>
+          </p:cNvPicPr>
+          <p:nvPr/>
+        </p:nvPicPr>
+        <p:blipFill>
+          <a:blip r:embed="rId4"/>
+          <a:stretch>
+            <a:fillRect/>
+          </a:stretch>
+        </p:blipFill>
+        <p:spPr>
+          <a:xfrm>
+            <a:off x="4314576" y="4467273"/>
+            <a:ext cx="4072071" cy="2498976"/>
+          </a:xfrm>
+          <a:prstGeom prst="rect">
+            <a:avLst/>
+          </a:prstGeom>
+        </p:spPr>
+      </p:pic>
+      <p:sp>
+        <p:nvSpPr>
+          <p:cNvPr id="21" name="CuadroTexto 20">
+            <a:extLst>
+              <a:ext uri="{FF2B5EF4-FFF2-40B4-BE49-F238E27FC236}">
+                <a16:creationId xmlns:a16="http://schemas.microsoft.com/office/drawing/2014/main" id="{B2A69D9D-9FB7-B958-632B-22A96353CBF9}"/>
+              </a:ext>
+            </a:extLst>
+          </p:cNvPr>
+          <p:cNvSpPr txBox="1"/>
+          <p:nvPr/>
+        </p:nvSpPr>
+        <p:spPr>
+          <a:xfrm>
+            <a:off x="8035636" y="4839598"/>
+            <a:ext cx="3051516" cy="1754326"/>
+          </a:xfrm>
+          <a:prstGeom prst="rect">
+            <a:avLst/>
+          </a:prstGeom>
+          <a:noFill/>
+        </p:spPr>
+        <p:txBody>
+          <a:bodyPr wrap="square">
+            <a:spAutoFit/>
+          </a:bodyPr>
+          <a:lstStyle/>
+          <a:p>
+            <a:r>
+              <a:rPr lang="es-ES" dirty="0"/>
+              <a:t>Seleccione</a:t>
+            </a:r>
+            <a:r>
+              <a:rPr lang="es-ES" b="1" dirty="0">
+                <a:solidFill>
+                  <a:srgbClr val="FF0000"/>
+                </a:solidFill>
+              </a:rPr>
+              <a:t> </a:t>
+            </a:r>
+            <a:r>
+              <a:rPr lang="es-ES" b="1" dirty="0" err="1">
+                <a:solidFill>
+                  <a:srgbClr val="FF0000"/>
+                </a:solidFill>
+              </a:rPr>
+              <a:t>label</a:t>
+            </a:r>
+            <a:r>
+              <a:rPr lang="es-ES" b="1" dirty="0">
+                <a:solidFill>
+                  <a:srgbClr val="FF0000"/>
+                </a:solidFill>
+              </a:rPr>
+              <a:t> </a:t>
+            </a:r>
+            <a:r>
+              <a:rPr lang="es-ES" dirty="0"/>
+              <a:t>como el papel de este atributo, lo que significa que este atributo será reconocido como la variable dependiente</a:t>
+            </a:r>
+            <a:endParaRPr lang="es-PE" dirty="0"/>
+          </a:p>
+        </p:txBody>
+      </p:sp>
+    </p:spTree>
+    <p:extLst>
+      <p:ext uri="{BB962C8B-B14F-4D97-AF65-F5344CB8AC3E}">
+        <p14:creationId xmlns:p14="http://schemas.microsoft.com/office/powerpoint/2010/main" val="3694983359"/>
+      </p:ext>
+    </p:extLst>
+  </p:cSld>
+  <p:clrMapOvr>
+    <a:masterClrMapping/>
+  </p:clrMapOvr>
+</p:sld>
+</file>
+
+<file path=ppt/slides/slide6.xml><?xml version="1.0" encoding="utf-8"?>
+<p:sld xmlns:a="http://schemas.openxmlformats.org/drawingml/2006/main" xmlns:r="http://schemas.openxmlformats.org/officeDocument/2006/relationships" xmlns:p="http://schemas.openxmlformats.org/presentationml/2006/main">
+  <p:cSld>
+    <p:spTree>
+      <p:nvGrpSpPr>
+        <p:cNvPr id="1" name=""/>
+        <p:cNvGrpSpPr/>
+        <p:nvPr/>
+      </p:nvGrpSpPr>
+      <p:grpSpPr>
+        <a:xfrm>
+          <a:off x="0" y="0"/>
+          <a:ext cx="0" cy="0"/>
+          <a:chOff x="0" y="0"/>
+          <a:chExt cx="0" cy="0"/>
+        </a:xfrm>
+      </p:grpSpPr>
+      <p:pic>
+        <p:nvPicPr>
+          <p:cNvPr id="5" name="Imagen 4">
+            <a:extLst>
+              <a:ext uri="{FF2B5EF4-FFF2-40B4-BE49-F238E27FC236}">
+                <a16:creationId xmlns:a16="http://schemas.microsoft.com/office/drawing/2014/main" id="{37AA44BC-0257-74F7-7E3E-8C2FF6B2B161}"/>
+              </a:ext>
+            </a:extLst>
+          </p:cNvPr>
+          <p:cNvPicPr>
+            <a:picLocks noChangeAspect="1"/>
+          </p:cNvPicPr>
+          <p:nvPr/>
+        </p:nvPicPr>
+        <p:blipFill>
+          <a:blip r:embed="rId2"/>
+          <a:stretch>
+            <a:fillRect/>
+          </a:stretch>
+        </p:blipFill>
+        <p:spPr>
+          <a:xfrm>
+            <a:off x="942534" y="422552"/>
+            <a:ext cx="9322191" cy="1695589"/>
+          </a:xfrm>
+          <a:prstGeom prst="rect">
+            <a:avLst/>
+          </a:prstGeom>
+        </p:spPr>
+      </p:pic>
+      <p:pic>
+        <p:nvPicPr>
+          <p:cNvPr id="7" name="Imagen 6">
+            <a:extLst>
+              <a:ext uri="{FF2B5EF4-FFF2-40B4-BE49-F238E27FC236}">
+                <a16:creationId xmlns:a16="http://schemas.microsoft.com/office/drawing/2014/main" id="{8E1A0F4E-9047-E4EB-F1E0-F0486C5B7F09}"/>
+              </a:ext>
+            </a:extLst>
+          </p:cNvPr>
+          <p:cNvPicPr>
+            <a:picLocks noChangeAspect="1"/>
+          </p:cNvPicPr>
+          <p:nvPr/>
+        </p:nvPicPr>
+        <p:blipFill>
+          <a:blip r:embed="rId3"/>
+          <a:stretch>
+            <a:fillRect/>
+          </a:stretch>
+        </p:blipFill>
+        <p:spPr>
+          <a:xfrm>
+            <a:off x="5603629" y="2426757"/>
+            <a:ext cx="4584603" cy="4626205"/>
+          </a:xfrm>
+          <a:prstGeom prst="rect">
+            <a:avLst/>
+          </a:prstGeom>
+        </p:spPr>
+      </p:pic>
+      <p:pic>
+        <p:nvPicPr>
+          <p:cNvPr id="9" name="Imagen 8">
+            <a:extLst>
+              <a:ext uri="{FF2B5EF4-FFF2-40B4-BE49-F238E27FC236}">
+                <a16:creationId xmlns:a16="http://schemas.microsoft.com/office/drawing/2014/main" id="{2BEE01E4-24E9-3EA7-6CBB-601BA8B9F2B5}"/>
+              </a:ext>
+            </a:extLst>
+          </p:cNvPr>
+          <p:cNvPicPr>
+            <a:picLocks noChangeAspect="1"/>
+          </p:cNvPicPr>
+          <p:nvPr/>
+        </p:nvPicPr>
+        <p:blipFill>
+          <a:blip r:embed="rId4"/>
+          <a:stretch>
+            <a:fillRect/>
+          </a:stretch>
+        </p:blipFill>
+        <p:spPr>
+          <a:xfrm>
+            <a:off x="617008" y="2910664"/>
+            <a:ext cx="4658375" cy="1286054"/>
+          </a:xfrm>
+          <a:prstGeom prst="rect">
+            <a:avLst/>
+          </a:prstGeom>
+        </p:spPr>
+      </p:pic>
+    </p:spTree>
+    <p:extLst>
+      <p:ext uri="{BB962C8B-B14F-4D97-AF65-F5344CB8AC3E}">
+        <p14:creationId xmlns:p14="http://schemas.microsoft.com/office/powerpoint/2010/main" val="1556691533"/>
+      </p:ext>
+    </p:extLst>
+  </p:cSld>
+  <p:clrMapOvr>
+    <a:masterClrMapping/>
+  </p:clrMapOvr>
+</p:sld>
+</file>
+
+<file path=ppt/slides/slide7.xml><?xml version="1.0" encoding="utf-8"?>
+<p:sld xmlns:a="http://schemas.openxmlformats.org/drawingml/2006/main" xmlns:r="http://schemas.openxmlformats.org/officeDocument/2006/relationships" xmlns:p="http://schemas.openxmlformats.org/presentationml/2006/main">
+  <p:cSld>
+    <p:spTree>
+      <p:nvGrpSpPr>
+        <p:cNvPr id="1" name=""/>
+        <p:cNvGrpSpPr/>
+        <p:nvPr/>
+      </p:nvGrpSpPr>
+      <p:grpSpPr>
+        <a:xfrm>
+          <a:off x="0" y="0"/>
+          <a:ext cx="0" cy="0"/>
+          <a:chOff x="0" y="0"/>
+          <a:chExt cx="0" cy="0"/>
+        </a:xfrm>
+      </p:grpSpPr>
+      <p:pic>
+        <p:nvPicPr>
+          <p:cNvPr id="5" name="Imagen 4">
+            <a:extLst>
+              <a:ext uri="{FF2B5EF4-FFF2-40B4-BE49-F238E27FC236}">
+                <a16:creationId xmlns:a16="http://schemas.microsoft.com/office/drawing/2014/main" id="{169A05B6-03A5-12D8-8E57-8D99F815CDD4}"/>
+              </a:ext>
+            </a:extLst>
+          </p:cNvPr>
+          <p:cNvPicPr>
+            <a:picLocks noChangeAspect="1"/>
+          </p:cNvPicPr>
+          <p:nvPr/>
+        </p:nvPicPr>
+        <p:blipFill>
+          <a:blip r:embed="rId2"/>
+          <a:stretch>
+            <a:fillRect/>
+          </a:stretch>
+        </p:blipFill>
+        <p:spPr>
+          <a:xfrm>
+            <a:off x="429161" y="657400"/>
+            <a:ext cx="9798052" cy="3300127"/>
+          </a:xfrm>
+          <a:prstGeom prst="rect">
+            <a:avLst/>
+          </a:prstGeom>
+        </p:spPr>
+      </p:pic>
+    </p:spTree>
+    <p:extLst>
+      <p:ext uri="{BB962C8B-B14F-4D97-AF65-F5344CB8AC3E}">
+        <p14:creationId xmlns:p14="http://schemas.microsoft.com/office/powerpoint/2010/main" val="3310240277"/>
+      </p:ext>
+    </p:extLst>
+  </p:cSld>
+  <p:clrMapOvr>
+    <a:masterClrMapping/>
+  </p:clrMapOvr>
+</p:sld>
+</file>
+
+<file path=ppt/slides/slide8.xml><?xml version="1.0" encoding="utf-8"?>
+<p:sld xmlns:a="http://schemas.openxmlformats.org/drawingml/2006/main" xmlns:r="http://schemas.openxmlformats.org/officeDocument/2006/relationships" xmlns:p="http://schemas.openxmlformats.org/presentationml/2006/main">
+  <p:cSld>
+    <p:spTree>
+      <p:nvGrpSpPr>
+        <p:cNvPr id="1" name=""/>
+        <p:cNvGrpSpPr/>
+        <p:nvPr/>
+      </p:nvGrpSpPr>
+      <p:grpSpPr>
+        <a:xfrm>
+          <a:off x="0" y="0"/>
+          <a:ext cx="0" cy="0"/>
+          <a:chOff x="0" y="0"/>
+          <a:chExt cx="0" cy="0"/>
+        </a:xfrm>
+      </p:grpSpPr>
+      <p:pic>
+        <p:nvPicPr>
+          <p:cNvPr id="5" name="Imagen 4">
+            <a:extLst>
+              <a:ext uri="{FF2B5EF4-FFF2-40B4-BE49-F238E27FC236}">
+                <a16:creationId xmlns:a16="http://schemas.microsoft.com/office/drawing/2014/main" id="{CF051A30-92E7-79BA-198C-BA8816883E88}"/>
+              </a:ext>
+            </a:extLst>
+          </p:cNvPr>
+          <p:cNvPicPr>
+            <a:picLocks noChangeAspect="1"/>
+          </p:cNvPicPr>
+          <p:nvPr/>
+        </p:nvPicPr>
+        <p:blipFill>
+          <a:blip r:embed="rId2"/>
+          <a:stretch>
+            <a:fillRect/>
+          </a:stretch>
+        </p:blipFill>
+        <p:spPr>
+          <a:xfrm>
+            <a:off x="586582" y="1113786"/>
+            <a:ext cx="9612066" cy="2857899"/>
+          </a:xfrm>
+          <a:prstGeom prst="rect">
+            <a:avLst/>
+          </a:prstGeom>
+        </p:spPr>
+      </p:pic>
+    </p:spTree>
+    <p:extLst>
+      <p:ext uri="{BB962C8B-B14F-4D97-AF65-F5344CB8AC3E}">
+        <p14:creationId xmlns:p14="http://schemas.microsoft.com/office/powerpoint/2010/main" val="4213387420"/>
+      </p:ext>
+    </p:extLst>
+  </p:cSld>
+  <p:clrMapOvr>
+    <a:masterClrMapping/>
+  </p:clrMapOvr>
+</p:sld>
+</file>
+
+<file path=ppt/slides/slide9.xml><?xml version="1.0" encoding="utf-8"?>
+<p:sld xmlns:a="http://schemas.openxmlformats.org/drawingml/2006/main" xmlns:r="http://schemas.openxmlformats.org/officeDocument/2006/relationships" xmlns:p="http://schemas.openxmlformats.org/presentationml/2006/main">
+  <p:cSld>
+    <p:spTree>
+      <p:nvGrpSpPr>
+        <p:cNvPr id="1" name=""/>
+        <p:cNvGrpSpPr/>
+        <p:nvPr/>
+      </p:nvGrpSpPr>
+      <p:grpSpPr>
+        <a:xfrm>
+          <a:off x="0" y="0"/>
+          <a:ext cx="0" cy="0"/>
+          <a:chOff x="0" y="0"/>
+          <a:chExt cx="0" cy="0"/>
+        </a:xfrm>
+      </p:grpSpPr>
+      <p:pic>
+        <p:nvPicPr>
+          <p:cNvPr id="5" name="Imagen 4">
+            <a:extLst>
+              <a:ext uri="{FF2B5EF4-FFF2-40B4-BE49-F238E27FC236}">
+                <a16:creationId xmlns:a16="http://schemas.microsoft.com/office/drawing/2014/main" id="{53ED5C8D-4C5D-FC48-DA9D-4F654810AE62}"/>
+              </a:ext>
+            </a:extLst>
+          </p:cNvPr>
+          <p:cNvPicPr>
+            <a:picLocks noChangeAspect="1"/>
+          </p:cNvPicPr>
+          <p:nvPr/>
+        </p:nvPicPr>
+        <p:blipFill>
+          <a:blip r:embed="rId2"/>
+          <a:stretch>
+            <a:fillRect/>
+          </a:stretch>
+        </p:blipFill>
+        <p:spPr>
+          <a:xfrm>
+            <a:off x="1061335" y="1812346"/>
+            <a:ext cx="10069330" cy="3296110"/>
+          </a:xfrm>
+          <a:prstGeom prst="rect">
+            <a:avLst/>
+          </a:prstGeom>
+        </p:spPr>
+      </p:pic>
+      <p:sp>
+        <p:nvSpPr>
+          <p:cNvPr id="7" name="CuadroTexto 6">
+            <a:extLst>
+              <a:ext uri="{FF2B5EF4-FFF2-40B4-BE49-F238E27FC236}">
+                <a16:creationId xmlns:a16="http://schemas.microsoft.com/office/drawing/2014/main" id="{7D9E5C28-83D3-4A0F-64A6-A8982D4BF6D0}"/>
+              </a:ext>
+            </a:extLst>
+          </p:cNvPr>
+          <p:cNvSpPr txBox="1"/>
+          <p:nvPr/>
+        </p:nvSpPr>
+        <p:spPr>
+          <a:xfrm>
+            <a:off x="4211781" y="335018"/>
+            <a:ext cx="6096000" cy="1477328"/>
+          </a:xfrm>
+          <a:prstGeom prst="rect">
+            <a:avLst/>
+          </a:prstGeom>
+          <a:noFill/>
+        </p:spPr>
+        <p:txBody>
+          <a:bodyPr wrap="square">
+            <a:spAutoFit/>
+          </a:bodyPr>
+          <a:lstStyle/>
+          <a:p>
+            <a:r>
+              <a:rPr lang="es-ES" dirty="0"/>
+              <a:t>El software encuentra que sólo el atributo "</a:t>
+            </a:r>
+            <a:r>
+              <a:rPr lang="es-ES" dirty="0" err="1"/>
+              <a:t>Mileage</a:t>
+            </a:r>
+            <a:r>
+              <a:rPr lang="es-ES" dirty="0"/>
+              <a:t>“(kilometraje) (variable independiente) tiene relación con el atributo “</a:t>
+            </a:r>
+            <a:r>
+              <a:rPr lang="es-ES" dirty="0" err="1"/>
+              <a:t>SellPrice</a:t>
+            </a:r>
+            <a:r>
+              <a:rPr lang="es-ES" dirty="0"/>
+              <a:t>“(precio de venta) (variable dependiente). Por lo tanto, sólo modela la relación lineal entre ellas.</a:t>
+            </a:r>
+            <a:endParaRPr lang="es-PE" dirty="0"/>
+          </a:p>
+        </p:txBody>
+      </p:sp>
+      <p:cxnSp>
+        <p:nvCxnSpPr>
+          <p:cNvPr id="11" name="Conector: curvado 10">
+            <a:extLst>
+              <a:ext uri="{FF2B5EF4-FFF2-40B4-BE49-F238E27FC236}">
+                <a16:creationId xmlns:a16="http://schemas.microsoft.com/office/drawing/2014/main" id="{D9B8166A-E2CA-1063-11A2-79AF5321A1AF}"/>
+              </a:ext>
+            </a:extLst>
+          </p:cNvPr>
+          <p:cNvCxnSpPr>
+            <a:cxnSpLocks/>
+          </p:cNvCxnSpPr>
+          <p:nvPr/>
+        </p:nvCxnSpPr>
+        <p:spPr>
+          <a:xfrm rot="5400000">
+            <a:off x="2785495" y="804296"/>
+            <a:ext cx="1427018" cy="1425555"/>
+          </a:xfrm>
+          <a:prstGeom prst="curvedConnector3">
+            <a:avLst>
+              <a:gd name="adj1" fmla="val -4369"/>
+            </a:avLst>
+          </a:prstGeom>
+          <a:ln>
+            <a:solidFill>
+              <a:srgbClr val="FF0000"/>
+            </a:solidFill>
+            <a:tailEnd type="triangle"/>
+          </a:ln>
+        </p:spPr>
+        <p:style>
+          <a:lnRef idx="3">
+            <a:schemeClr val="accent6"/>
+          </a:lnRef>
+          <a:fillRef idx="0">
+            <a:schemeClr val="accent6"/>
+          </a:fillRef>
+          <a:effectRef idx="2">
+            <a:schemeClr val="accent6"/>
+          </a:effectRef>
+          <a:fontRef idx="minor">
+            <a:schemeClr val="tx1"/>
+          </a:fontRef>
+        </p:style>
+      </p:cxnSp>
+      <p:sp>
+        <p:nvSpPr>
+          <p:cNvPr id="18" name="CuadroTexto 17">
+            <a:extLst>
+              <a:ext uri="{FF2B5EF4-FFF2-40B4-BE49-F238E27FC236}">
+                <a16:creationId xmlns:a16="http://schemas.microsoft.com/office/drawing/2014/main" id="{42DA750D-1BBF-94E2-E624-CDA51AABBEF9}"/>
+              </a:ext>
+            </a:extLst>
+          </p:cNvPr>
+          <p:cNvSpPr txBox="1"/>
+          <p:nvPr/>
+        </p:nvSpPr>
+        <p:spPr>
+          <a:xfrm>
+            <a:off x="5874328" y="4099307"/>
+            <a:ext cx="6096000" cy="646331"/>
+          </a:xfrm>
+          <a:prstGeom prst="rect">
+            <a:avLst/>
+          </a:prstGeom>
+          <a:noFill/>
+        </p:spPr>
+        <p:txBody>
+          <a:bodyPr wrap="square">
+            <a:spAutoFit/>
+          </a:bodyPr>
+          <a:lstStyle/>
+          <a:p>
+            <a:r>
+              <a:rPr lang="es-ES" dirty="0"/>
+              <a:t>El modelo de Regresión Lineal es</a:t>
+            </a:r>
+          </a:p>
+          <a:p>
+            <a:r>
+              <a:rPr lang="es-ES" dirty="0" err="1"/>
+              <a:t>SellPrice</a:t>
+            </a:r>
+            <a:r>
+              <a:rPr lang="es-ES" dirty="0"/>
+              <a:t>= -0.387 × </a:t>
+            </a:r>
+            <a:r>
+              <a:rPr lang="es-ES" dirty="0" err="1"/>
+              <a:t>Mileage</a:t>
+            </a:r>
+            <a:r>
+              <a:rPr lang="es-ES" dirty="0"/>
+              <a:t> + 49571.041</a:t>
+            </a:r>
+            <a:endParaRPr lang="es-PE" dirty="0"/>
+          </a:p>
+        </p:txBody>
+      </p:sp>
+    </p:spTree>
+    <p:extLst>
+      <p:ext uri="{BB962C8B-B14F-4D97-AF65-F5344CB8AC3E}">
+        <p14:creationId xmlns:p14="http://schemas.microsoft.com/office/powerpoint/2010/main" val="3553900974"/>
+      </p:ext>
+    </p:extLst>
+  </p:cSld>
+  <p:clrMapOvr>
+    <a:masterClrMapping/>
+  </p:clrMapOvr>
+</p:sld>
+</file>
+
 <file path=ppt/theme/theme1.xml><?xml version="1.0" encoding="utf-8"?>
 <a:theme xmlns:a="http://schemas.openxmlformats.org/drawingml/2006/main" name="PunchcardVTI">
   <a:themeElements>
